--- a/docs/figs/example.pptx
+++ b/docs/figs/example.pptx
@@ -104,6 +104,11 @@
       </a:defRPr>
     </a:lvl9pPr>
   </p:defaultTextStyle>
+  <p:extLst>
+    <p:ext uri="{EFAFB233-063F-42B5-8137-9DF3F51BA10A}">
+      <p15:sldGuideLst xmlns:p15="http://schemas.microsoft.com/office/powerpoint/2012/main"/>
+    </p:ext>
+  </p:extLst>
 </p:presentation>
 </file>
 
@@ -3488,7 +3493,7 @@
         </p:nvGrpSpPr>
         <p:grpSpPr>
           <a:xfrm>
-            <a:off x="3183191" y="451594"/>
+            <a:off x="3183191" y="292912"/>
             <a:ext cx="2681491" cy="1800000"/>
             <a:chOff x="5985924" y="2519557"/>
             <a:chExt cx="2681491" cy="1800000"/>
@@ -3709,7 +3714,7 @@
         </p:nvCxnSpPr>
         <p:spPr>
           <a:xfrm flipV="1">
-            <a:off x="5864682" y="1351593"/>
+            <a:off x="5864682" y="1192911"/>
             <a:ext cx="462638" cy="1"/>
           </a:xfrm>
           <a:prstGeom prst="bentConnector3">
@@ -3754,8 +3759,8 @@
         </p:nvCxnSpPr>
         <p:spPr>
           <a:xfrm flipV="1">
-            <a:off x="5826491" y="1351593"/>
-            <a:ext cx="500829" cy="2067964"/>
+            <a:off x="5826491" y="1192911"/>
+            <a:ext cx="500829" cy="2226646"/>
           </a:xfrm>
           <a:prstGeom prst="bentConnector3">
             <a:avLst>
@@ -3799,53 +3804,8 @@
         </p:nvCxnSpPr>
         <p:spPr>
           <a:xfrm rot="16200000" flipH="1">
-            <a:off x="2548091" y="4015956"/>
-            <a:ext cx="362278" cy="907922"/>
-          </a:xfrm>
-          <a:prstGeom prst="bentConnector3">
-            <a:avLst>
-              <a:gd name="adj1" fmla="val 53863"/>
-            </a:avLst>
-          </a:prstGeom>
-          <a:ln>
-            <a:tailEnd type="triangle"/>
-          </a:ln>
-        </p:spPr>
-        <p:style>
-          <a:lnRef idx="1">
-            <a:schemeClr val="dk1"/>
-          </a:lnRef>
-          <a:fillRef idx="0">
-            <a:schemeClr val="dk1"/>
-          </a:fillRef>
-          <a:effectRef idx="0">
-            <a:schemeClr val="dk1"/>
-          </a:effectRef>
-          <a:fontRef idx="minor">
-            <a:schemeClr val="tx1"/>
-          </a:fontRef>
-        </p:style>
-      </p:cxnSp>
-      <p:cxnSp>
-        <p:nvCxnSpPr>
-          <p:cNvPr id="50" name="Connector: Elbow 49">
-            <a:extLst>
-              <a:ext uri="{FF2B5EF4-FFF2-40B4-BE49-F238E27FC236}">
-                <a16:creationId xmlns:a16="http://schemas.microsoft.com/office/drawing/2014/main" id="{45021F02-01D7-4190-8B97-33FDE0280BF9}"/>
-              </a:ext>
-            </a:extLst>
-          </p:cNvPr>
-          <p:cNvCxnSpPr>
-            <a:cxnSpLocks/>
-            <a:stCxn id="23" idx="0"/>
-            <a:endCxn id="16" idx="2"/>
-          </p:cNvCxnSpPr>
-          <p:nvPr/>
-        </p:nvCxnSpPr>
-        <p:spPr>
-          <a:xfrm rot="5400000" flipH="1" flipV="1">
-            <a:off x="1073501" y="2048462"/>
-            <a:ext cx="336361" cy="742626"/>
+            <a:off x="2463897" y="4100150"/>
+            <a:ext cx="530667" cy="907922"/>
           </a:xfrm>
           <a:prstGeom prst="bentConnector3">
             <a:avLst>
@@ -3873,6 +3833,49 @@
       </p:cxnSp>
       <p:cxnSp>
         <p:nvCxnSpPr>
+          <p:cNvPr id="50" name="Connector: Elbow 49">
+            <a:extLst>
+              <a:ext uri="{FF2B5EF4-FFF2-40B4-BE49-F238E27FC236}">
+                <a16:creationId xmlns:a16="http://schemas.microsoft.com/office/drawing/2014/main" id="{45021F02-01D7-4190-8B97-33FDE0280BF9}"/>
+              </a:ext>
+            </a:extLst>
+          </p:cNvPr>
+          <p:cNvCxnSpPr>
+            <a:cxnSpLocks/>
+            <a:stCxn id="23" idx="0"/>
+            <a:endCxn id="2" idx="2"/>
+          </p:cNvCxnSpPr>
+          <p:nvPr/>
+        </p:nvCxnSpPr>
+        <p:spPr>
+          <a:xfrm rot="5400000" flipH="1" flipV="1">
+            <a:off x="1038532" y="2157257"/>
+            <a:ext cx="262534" cy="598863"/>
+          </a:xfrm>
+          <a:prstGeom prst="bentConnector2">
+            <a:avLst/>
+          </a:prstGeom>
+          <a:ln>
+            <a:tailEnd type="triangle"/>
+          </a:ln>
+        </p:spPr>
+        <p:style>
+          <a:lnRef idx="1">
+            <a:schemeClr val="dk1"/>
+          </a:lnRef>
+          <a:fillRef idx="0">
+            <a:schemeClr val="dk1"/>
+          </a:fillRef>
+          <a:effectRef idx="0">
+            <a:schemeClr val="dk1"/>
+          </a:effectRef>
+          <a:fontRef idx="minor">
+            <a:schemeClr val="tx1"/>
+          </a:fontRef>
+        </p:style>
+      </p:cxnSp>
+      <p:cxnSp>
+        <p:nvCxnSpPr>
           <p:cNvPr id="63" name="Connector: Elbow 62">
             <a:extLst>
               <a:ext uri="{FF2B5EF4-FFF2-40B4-BE49-F238E27FC236}">
@@ -3883,19 +3886,17 @@
           <p:cNvCxnSpPr>
             <a:cxnSpLocks/>
             <a:stCxn id="10" idx="0"/>
-            <a:endCxn id="16" idx="2"/>
+            <a:endCxn id="2" idx="6"/>
           </p:cNvCxnSpPr>
           <p:nvPr/>
         </p:nvCxnSpPr>
         <p:spPr>
           <a:xfrm rot="16200000" flipV="1">
-            <a:off x="2919416" y="945173"/>
-            <a:ext cx="267963" cy="2880805"/>
+            <a:off x="3015076" y="1040833"/>
+            <a:ext cx="194136" cy="2763311"/>
           </a:xfrm>
-          <a:prstGeom prst="bentConnector3">
-            <a:avLst>
-              <a:gd name="adj1" fmla="val 36072"/>
-            </a:avLst>
+          <a:prstGeom prst="bentConnector2">
+            <a:avLst/>
           </a:prstGeom>
           <a:ln>
             <a:tailEnd type="triangle"/>
@@ -3934,12 +3935,12 @@
         </p:nvCxnSpPr>
         <p:spPr>
           <a:xfrm rot="5400000">
-            <a:off x="3672746" y="3830002"/>
-            <a:ext cx="331499" cy="1310608"/>
+            <a:off x="3588551" y="3914197"/>
+            <a:ext cx="499888" cy="1310608"/>
           </a:xfrm>
           <a:prstGeom prst="bentConnector3">
             <a:avLst>
-              <a:gd name="adj1" fmla="val 50000"/>
+              <a:gd name="adj1" fmla="val 46267"/>
             </a:avLst>
           </a:prstGeom>
           <a:ln>
@@ -3975,7 +3976,7 @@
         </p:nvGrpSpPr>
         <p:grpSpPr>
           <a:xfrm>
-            <a:off x="654778" y="451594"/>
+            <a:off x="654778" y="292912"/>
             <a:ext cx="1916431" cy="1800000"/>
             <a:chOff x="2043458" y="350224"/>
             <a:chExt cx="1916431" cy="1800000"/>
@@ -4094,7 +4095,7 @@
         </p:nvGrpSpPr>
         <p:grpSpPr>
           <a:xfrm>
-            <a:off x="6327320" y="451593"/>
+            <a:off x="6327320" y="292911"/>
             <a:ext cx="1916432" cy="1800000"/>
             <a:chOff x="6187843" y="1629000"/>
             <a:chExt cx="1916432" cy="1800000"/>
@@ -4268,7 +4269,7 @@
         </p:nvGrpSpPr>
         <p:grpSpPr>
           <a:xfrm>
-            <a:off x="2224975" y="4651055"/>
+            <a:off x="2224975" y="4819444"/>
             <a:ext cx="1916432" cy="1800001"/>
             <a:chOff x="2043457" y="4716369"/>
             <a:chExt cx="1916432" cy="1800001"/>
@@ -4561,12 +4562,434 @@
           </p:txBody>
         </p:sp>
       </p:grpSp>
+      <p:sp>
+        <p:nvSpPr>
+          <p:cNvPr id="2" name="Flowchart: Summing Junction 1">
+            <a:extLst>
+              <a:ext uri="{FF2B5EF4-FFF2-40B4-BE49-F238E27FC236}">
+                <a16:creationId xmlns:a16="http://schemas.microsoft.com/office/drawing/2014/main" id="{E043400D-FCAA-4833-8AD4-39EB2F34F8C1}"/>
+              </a:ext>
+            </a:extLst>
+          </p:cNvPr>
+          <p:cNvSpPr/>
+          <p:nvPr/>
+        </p:nvSpPr>
+        <p:spPr>
+          <a:xfrm>
+            <a:off x="1469231" y="2195437"/>
+            <a:ext cx="261257" cy="259967"/>
+          </a:xfrm>
+          <a:prstGeom prst="flowChartSummingJunction">
+            <a:avLst/>
+          </a:prstGeom>
+          <a:solidFill>
+            <a:schemeClr val="bg1"/>
+          </a:solidFill>
+          <a:ln>
+            <a:solidFill>
+              <a:schemeClr val="tx1"/>
+            </a:solidFill>
+          </a:ln>
+        </p:spPr>
+        <p:style>
+          <a:lnRef idx="2">
+            <a:schemeClr val="accent1">
+              <a:shade val="50000"/>
+            </a:schemeClr>
+          </a:lnRef>
+          <a:fillRef idx="1">
+            <a:schemeClr val="accent1"/>
+          </a:fillRef>
+          <a:effectRef idx="0">
+            <a:schemeClr val="accent1"/>
+          </a:effectRef>
+          <a:fontRef idx="minor">
+            <a:schemeClr val="lt1"/>
+          </a:fontRef>
+        </p:style>
+        <p:txBody>
+          <a:bodyPr rtlCol="0" anchor="ctr"/>
+          <a:lstStyle/>
+          <a:p>
+            <a:pPr algn="ctr"/>
+            <a:endParaRPr lang="en-NL" dirty="0"/>
+          </a:p>
+        </p:txBody>
+      </p:sp>
+      <p:cxnSp>
+        <p:nvCxnSpPr>
+          <p:cNvPr id="22" name="Straight Arrow Connector 21">
+            <a:extLst>
+              <a:ext uri="{FF2B5EF4-FFF2-40B4-BE49-F238E27FC236}">
+                <a16:creationId xmlns:a16="http://schemas.microsoft.com/office/drawing/2014/main" id="{FBC7B8EE-E24B-4A09-9CF2-F17F38C07DCB}"/>
+              </a:ext>
+            </a:extLst>
+          </p:cNvPr>
+          <p:cNvCxnSpPr>
+            <a:cxnSpLocks/>
+          </p:cNvCxnSpPr>
+          <p:nvPr/>
+        </p:nvCxnSpPr>
+        <p:spPr>
+          <a:xfrm flipV="1">
+            <a:off x="1609190" y="2062060"/>
+            <a:ext cx="0" cy="180000"/>
+          </a:xfrm>
+          <a:prstGeom prst="straightConnector1">
+            <a:avLst/>
+          </a:prstGeom>
+          <a:ln>
+            <a:tailEnd type="triangle"/>
+          </a:ln>
+        </p:spPr>
+        <p:style>
+          <a:lnRef idx="1">
+            <a:schemeClr val="dk1"/>
+          </a:lnRef>
+          <a:fillRef idx="0">
+            <a:schemeClr val="dk1"/>
+          </a:fillRef>
+          <a:effectRef idx="0">
+            <a:schemeClr val="dk1"/>
+          </a:effectRef>
+          <a:fontRef idx="minor">
+            <a:schemeClr val="tx1"/>
+          </a:fontRef>
+        </p:style>
+      </p:cxnSp>
+      <p:sp>
+        <p:nvSpPr>
+          <p:cNvPr id="40" name="Flowchart: Summing Junction 39">
+            <a:extLst>
+              <a:ext uri="{FF2B5EF4-FFF2-40B4-BE49-F238E27FC236}">
+                <a16:creationId xmlns:a16="http://schemas.microsoft.com/office/drawing/2014/main" id="{653C6DC4-33AD-4CE0-B07A-1AA7AE03E334}"/>
+              </a:ext>
+            </a:extLst>
+          </p:cNvPr>
+          <p:cNvSpPr/>
+          <p:nvPr/>
+        </p:nvSpPr>
+        <p:spPr>
+          <a:xfrm>
+            <a:off x="3052561" y="4419979"/>
+            <a:ext cx="261257" cy="259967"/>
+          </a:xfrm>
+          <a:prstGeom prst="flowChartSummingJunction">
+            <a:avLst/>
+          </a:prstGeom>
+          <a:solidFill>
+            <a:schemeClr val="bg1"/>
+          </a:solidFill>
+          <a:ln>
+            <a:solidFill>
+              <a:schemeClr val="tx1"/>
+            </a:solidFill>
+          </a:ln>
+        </p:spPr>
+        <p:style>
+          <a:lnRef idx="2">
+            <a:schemeClr val="accent1">
+              <a:shade val="50000"/>
+            </a:schemeClr>
+          </a:lnRef>
+          <a:fillRef idx="1">
+            <a:schemeClr val="accent1"/>
+          </a:fillRef>
+          <a:effectRef idx="0">
+            <a:schemeClr val="accent1"/>
+          </a:effectRef>
+          <a:fontRef idx="minor">
+            <a:schemeClr val="lt1"/>
+          </a:fontRef>
+        </p:style>
+        <p:txBody>
+          <a:bodyPr rtlCol="0" anchor="ctr"/>
+          <a:lstStyle/>
+          <a:p>
+            <a:pPr algn="ctr"/>
+            <a:endParaRPr lang="en-NL" dirty="0"/>
+          </a:p>
+        </p:txBody>
+      </p:sp>
+      <p:sp>
+        <p:nvSpPr>
+          <p:cNvPr id="42" name="Flowchart: Summing Junction 41">
+            <a:extLst>
+              <a:ext uri="{FF2B5EF4-FFF2-40B4-BE49-F238E27FC236}">
+                <a16:creationId xmlns:a16="http://schemas.microsoft.com/office/drawing/2014/main" id="{BADBFF6E-4CEA-4461-BAC1-70DAE74E9C47}"/>
+              </a:ext>
+            </a:extLst>
+          </p:cNvPr>
+          <p:cNvSpPr/>
+          <p:nvPr/>
+        </p:nvSpPr>
+        <p:spPr>
+          <a:xfrm>
+            <a:off x="5940437" y="1076257"/>
+            <a:ext cx="261257" cy="259967"/>
+          </a:xfrm>
+          <a:prstGeom prst="flowChartSummingJunction">
+            <a:avLst/>
+          </a:prstGeom>
+          <a:solidFill>
+            <a:schemeClr val="bg1"/>
+          </a:solidFill>
+          <a:ln>
+            <a:solidFill>
+              <a:schemeClr val="tx1"/>
+            </a:solidFill>
+          </a:ln>
+        </p:spPr>
+        <p:style>
+          <a:lnRef idx="2">
+            <a:schemeClr val="accent1">
+              <a:shade val="50000"/>
+            </a:schemeClr>
+          </a:lnRef>
+          <a:fillRef idx="1">
+            <a:schemeClr val="accent1"/>
+          </a:fillRef>
+          <a:effectRef idx="0">
+            <a:schemeClr val="accent1"/>
+          </a:effectRef>
+          <a:fontRef idx="minor">
+            <a:schemeClr val="lt1"/>
+          </a:fontRef>
+        </p:style>
+        <p:txBody>
+          <a:bodyPr rtlCol="0" anchor="ctr"/>
+          <a:lstStyle/>
+          <a:p>
+            <a:pPr algn="ctr"/>
+            <a:endParaRPr lang="en-NL" dirty="0"/>
+          </a:p>
+        </p:txBody>
+      </p:sp>
+      <p:grpSp>
+        <p:nvGrpSpPr>
+          <p:cNvPr id="32" name="Group 31">
+            <a:extLst>
+              <a:ext uri="{FF2B5EF4-FFF2-40B4-BE49-F238E27FC236}">
+                <a16:creationId xmlns:a16="http://schemas.microsoft.com/office/drawing/2014/main" id="{5D24C272-4DA8-41F4-98C4-C531661CD4EA}"/>
+              </a:ext>
+            </a:extLst>
+          </p:cNvPr>
+          <p:cNvGrpSpPr/>
+          <p:nvPr/>
+        </p:nvGrpSpPr>
+        <p:grpSpPr>
+          <a:xfrm>
+            <a:off x="8706390" y="1511558"/>
+            <a:ext cx="3356837" cy="1268561"/>
+            <a:chOff x="8327571" y="464214"/>
+            <a:chExt cx="3816221" cy="1443896"/>
+          </a:xfrm>
+        </p:grpSpPr>
+        <p:pic>
+          <p:nvPicPr>
+            <p:cNvPr id="27" name="Picture 26" descr="A picture containing object, clock&#10;&#10;Description automatically generated">
+              <a:extLst>
+                <a:ext uri="{FF2B5EF4-FFF2-40B4-BE49-F238E27FC236}">
+                  <a16:creationId xmlns:a16="http://schemas.microsoft.com/office/drawing/2014/main" id="{9187EE48-E492-4616-AA2D-518635DF30AE}"/>
+                </a:ext>
+              </a:extLst>
+            </p:cNvPr>
+            <p:cNvPicPr>
+              <a:picLocks noChangeAspect="1"/>
+            </p:cNvPicPr>
+            <p:nvPr/>
+          </p:nvPicPr>
+          <p:blipFill>
+            <a:blip r:embed="rId8">
+              <a:clrChange>
+                <a:clrFrom>
+                  <a:srgbClr val="FFFFFF"/>
+                </a:clrFrom>
+                <a:clrTo>
+                  <a:srgbClr val="FFFFFF">
+                    <a:alpha val="0"/>
+                  </a:srgbClr>
+                </a:clrTo>
+              </a:clrChange>
+              <a:extLst>
+                <a:ext uri="{28A0092B-C50C-407E-A947-70E740481C1C}">
+                  <a14:useLocalDpi xmlns:a14="http://schemas.microsoft.com/office/drawing/2010/main" val="0"/>
+                </a:ext>
+              </a:extLst>
+            </a:blip>
+            <a:stretch>
+              <a:fillRect/>
+            </a:stretch>
+          </p:blipFill>
+          <p:spPr>
+            <a:xfrm>
+              <a:off x="8369378" y="724181"/>
+              <a:ext cx="3693849" cy="483575"/>
+            </a:xfrm>
+            <a:prstGeom prst="rect">
+              <a:avLst/>
+            </a:prstGeom>
+          </p:spPr>
+        </p:pic>
+        <p:pic>
+          <p:nvPicPr>
+            <p:cNvPr id="30" name="Picture 29" descr="A close up of a clock&#10;&#10;Description automatically generated">
+              <a:extLst>
+                <a:ext uri="{FF2B5EF4-FFF2-40B4-BE49-F238E27FC236}">
+                  <a16:creationId xmlns:a16="http://schemas.microsoft.com/office/drawing/2014/main" id="{3E9E0AD7-A322-40D2-A143-BF2D7CC06D51}"/>
+                </a:ext>
+              </a:extLst>
+            </p:cNvPr>
+            <p:cNvPicPr>
+              <a:picLocks noChangeAspect="1"/>
+            </p:cNvPicPr>
+            <p:nvPr/>
+          </p:nvPicPr>
+          <p:blipFill>
+            <a:blip r:embed="rId9">
+              <a:clrChange>
+                <a:clrFrom>
+                  <a:srgbClr val="FFFFFF"/>
+                </a:clrFrom>
+                <a:clrTo>
+                  <a:srgbClr val="FFFFFF">
+                    <a:alpha val="0"/>
+                  </a:srgbClr>
+                </a:clrTo>
+              </a:clrChange>
+              <a:extLst>
+                <a:ext uri="{28A0092B-C50C-407E-A947-70E740481C1C}">
+                  <a14:useLocalDpi xmlns:a14="http://schemas.microsoft.com/office/drawing/2010/main" val="0"/>
+                </a:ext>
+              </a:extLst>
+            </a:blip>
+            <a:stretch>
+              <a:fillRect/>
+            </a:stretch>
+          </p:blipFill>
+          <p:spPr>
+            <a:xfrm>
+              <a:off x="9337550" y="1416574"/>
+              <a:ext cx="1680732" cy="441534"/>
+            </a:xfrm>
+            <a:prstGeom prst="rect">
+              <a:avLst/>
+            </a:prstGeom>
+          </p:spPr>
+        </p:pic>
+        <p:sp>
+          <p:nvSpPr>
+            <p:cNvPr id="31" name="Rectangle: Rounded Corners 30">
+              <a:extLst>
+                <a:ext uri="{FF2B5EF4-FFF2-40B4-BE49-F238E27FC236}">
+                  <a16:creationId xmlns:a16="http://schemas.microsoft.com/office/drawing/2014/main" id="{96E75FD3-9E4B-4E43-8DC9-3637BCAECB37}"/>
+                </a:ext>
+              </a:extLst>
+            </p:cNvPr>
+            <p:cNvSpPr/>
+            <p:nvPr/>
+          </p:nvSpPr>
+          <p:spPr>
+            <a:xfrm>
+              <a:off x="8327571" y="578498"/>
+              <a:ext cx="3816221" cy="1329612"/>
+            </a:xfrm>
+            <a:prstGeom prst="roundRect">
+              <a:avLst/>
+            </a:prstGeom>
+            <a:noFill/>
+            <a:ln w="6350">
+              <a:solidFill>
+                <a:schemeClr val="tx1"/>
+              </a:solidFill>
+            </a:ln>
+          </p:spPr>
+          <p:style>
+            <a:lnRef idx="2">
+              <a:schemeClr val="accent1">
+                <a:shade val="50000"/>
+              </a:schemeClr>
+            </a:lnRef>
+            <a:fillRef idx="1">
+              <a:schemeClr val="accent1"/>
+            </a:fillRef>
+            <a:effectRef idx="0">
+              <a:schemeClr val="accent1"/>
+            </a:effectRef>
+            <a:fontRef idx="minor">
+              <a:schemeClr val="lt1"/>
+            </a:fontRef>
+          </p:style>
+          <p:txBody>
+            <a:bodyPr rtlCol="0" anchor="ctr"/>
+            <a:lstStyle/>
+            <a:p>
+              <a:pPr algn="ctr"/>
+              <a:endParaRPr lang="en-NL"/>
+            </a:p>
+          </p:txBody>
+        </p:sp>
+        <p:sp>
+          <p:nvSpPr>
+            <p:cNvPr id="49" name="Flowchart: Summing Junction 48">
+              <a:extLst>
+                <a:ext uri="{FF2B5EF4-FFF2-40B4-BE49-F238E27FC236}">
+                  <a16:creationId xmlns:a16="http://schemas.microsoft.com/office/drawing/2014/main" id="{A2266766-D782-4891-A36F-14675B5FA3C1}"/>
+                </a:ext>
+              </a:extLst>
+            </p:cNvPr>
+            <p:cNvSpPr/>
+            <p:nvPr/>
+          </p:nvSpPr>
+          <p:spPr>
+            <a:xfrm>
+              <a:off x="10047287" y="464214"/>
+              <a:ext cx="261257" cy="259967"/>
+            </a:xfrm>
+            <a:prstGeom prst="flowChartSummingJunction">
+              <a:avLst/>
+            </a:prstGeom>
+            <a:solidFill>
+              <a:schemeClr val="bg1"/>
+            </a:solidFill>
+            <a:ln>
+              <a:solidFill>
+                <a:schemeClr val="tx1"/>
+              </a:solidFill>
+            </a:ln>
+          </p:spPr>
+          <p:style>
+            <a:lnRef idx="2">
+              <a:schemeClr val="accent1">
+                <a:shade val="50000"/>
+              </a:schemeClr>
+            </a:lnRef>
+            <a:fillRef idx="1">
+              <a:schemeClr val="accent1"/>
+            </a:fillRef>
+            <a:effectRef idx="0">
+              <a:schemeClr val="accent1"/>
+            </a:effectRef>
+            <a:fontRef idx="minor">
+              <a:schemeClr val="lt1"/>
+            </a:fontRef>
+          </p:style>
+          <p:txBody>
+            <a:bodyPr rtlCol="0" anchor="ctr"/>
+            <a:lstStyle/>
+            <a:p>
+              <a:pPr algn="ctr"/>
+              <a:endParaRPr lang="en-NL" dirty="0"/>
+            </a:p>
+          </p:txBody>
+        </p:sp>
+      </p:grpSp>
       <p:pic>
         <p:nvPicPr>
-          <p:cNvPr id="136" name="Picture 135">
-            <a:extLst>
-              <a:ext uri="{FF2B5EF4-FFF2-40B4-BE49-F238E27FC236}">
-                <a16:creationId xmlns:a16="http://schemas.microsoft.com/office/drawing/2014/main" id="{6C6781E0-1019-40EF-8245-AFC1BD795938}"/>
+          <p:cNvPr id="38" name="Picture 37">
+            <a:extLst>
+              <a:ext uri="{FF2B5EF4-FFF2-40B4-BE49-F238E27FC236}">
+                <a16:creationId xmlns:a16="http://schemas.microsoft.com/office/drawing/2014/main" id="{E6A41EEB-757A-4D53-87DB-81C3E040E9DA}"/>
               </a:ext>
             </a:extLst>
           </p:cNvPr>
@@ -4576,29 +4999,19 @@
           <p:nvPr/>
         </p:nvPicPr>
         <p:blipFill>
-          <a:blip r:embed="rId8"/>
+          <a:blip r:embed="rId10"/>
           <a:stretch>
             <a:fillRect/>
           </a:stretch>
         </p:blipFill>
         <p:spPr>
           <a:xfrm>
-            <a:off x="6365511" y="2757232"/>
-            <a:ext cx="5365214" cy="3751762"/>
+            <a:off x="6806792" y="2963218"/>
+            <a:ext cx="5256435" cy="3732107"/>
           </a:xfrm>
           <a:prstGeom prst="rect">
             <a:avLst/>
           </a:prstGeom>
-          <a:ln>
-            <a:noFill/>
-          </a:ln>
-          <a:effectLst>
-            <a:outerShdw blurRad="292100" dist="139700" dir="2700000" algn="tl" rotWithShape="0">
-              <a:srgbClr val="333333">
-                <a:alpha val="65000"/>
-              </a:srgbClr>
-            </a:outerShdw>
-          </a:effectLst>
         </p:spPr>
       </p:pic>
     </p:spTree>
